--- a/CCC_Senior/Week9/Week9.pptx
+++ b/CCC_Senior/Week9/Week9.pptx
@@ -12,12 +12,12 @@
     <p:sldId id="258" r:id="rId6"/>
     <p:sldId id="259" r:id="rId7"/>
     <p:sldId id="260" r:id="rId8"/>
-    <p:sldId id="261" r:id="rId9"/>
-    <p:sldId id="262" r:id="rId10"/>
-    <p:sldId id="263" r:id="rId11"/>
-    <p:sldId id="264" r:id="rId12"/>
-    <p:sldId id="267" r:id="rId13"/>
-    <p:sldId id="268" r:id="rId14"/>
+    <p:sldId id="262" r:id="rId9"/>
+    <p:sldId id="263" r:id="rId10"/>
+    <p:sldId id="264" r:id="rId11"/>
+    <p:sldId id="267" r:id="rId12"/>
+    <p:sldId id="268" r:id="rId13"/>
+    <p:sldId id="269" r:id="rId14"/>
   </p:sldIdLst>
   <p:sldSz cx="12192000" cy="6858000"/>
   <p:notesSz cx="6858000" cy="9144000"/>
@@ -116,6 +116,11 @@
       </a:defRPr>
     </a:lvl9pPr>
   </p:defaultTextStyle>
+  <p:extLst>
+    <p:ext uri="{EFAFB233-063F-42B5-8137-9DF3F51BA10A}">
+      <p15:sldGuideLst xmlns:p15="http://schemas.microsoft.com/office/powerpoint/2012/main"/>
+    </p:ext>
+  </p:extLst>
 </p:presentation>
 </file>
 
@@ -328,7 +333,7 @@
           <a:p>
             <a:fld id="{92538219-6E45-4D12-B767-46F92D5844D4}" type="datetime1">
               <a:rPr lang="en-US" smtClean="0"/>
-              <a:t>11/25/22</a:t>
+              <a:t>12/2/22</a:t>
             </a:fld>
             <a:endParaRPr lang="en-US"/>
           </a:p>
@@ -526,7 +531,7 @@
           <a:p>
             <a:fld id="{836430B8-6059-41E5-A5DC-C07A76F5859A}" type="datetime1">
               <a:rPr lang="en-US" smtClean="0"/>
-              <a:t>11/25/22</a:t>
+              <a:t>12/2/22</a:t>
             </a:fld>
             <a:endParaRPr lang="en-US"/>
           </a:p>
@@ -788,7 +793,7 @@
           <a:p>
             <a:fld id="{A09D0CB7-D16E-4358-B7F4-EA4A24554592}" type="datetime1">
               <a:rPr lang="en-US" smtClean="0"/>
-              <a:t>11/25/22</a:t>
+              <a:t>12/2/22</a:t>
             </a:fld>
             <a:endParaRPr lang="en-US"/>
           </a:p>
@@ -1004,7 +1009,7 @@
           <a:p>
             <a:fld id="{8BB296A2-D8F0-4E17-BFD0-A6C902250D59}" type="datetime1">
               <a:rPr lang="en-US" smtClean="0"/>
-              <a:t>11/25/22</a:t>
+              <a:t>12/2/22</a:t>
             </a:fld>
             <a:endParaRPr lang="en-US"/>
           </a:p>
@@ -1334,7 +1339,7 @@
           <a:p>
             <a:fld id="{D9108C9C-1ACB-4C84-A002-C7E0E45B937A}" type="datetime1">
               <a:rPr lang="en-US" smtClean="0"/>
-              <a:t>11/25/22</a:t>
+              <a:t>12/2/22</a:t>
             </a:fld>
             <a:endParaRPr lang="en-US"/>
           </a:p>
@@ -1607,7 +1612,7 @@
           <a:p>
             <a:fld id="{F49AF2A5-B297-4977-9E5B-4D3050E23689}" type="datetime1">
               <a:rPr lang="en-US" smtClean="0"/>
-              <a:t>11/25/22</a:t>
+              <a:t>12/2/22</a:t>
             </a:fld>
             <a:endParaRPr lang="en-US"/>
           </a:p>
@@ -2022,7 +2027,7 @@
           <a:p>
             <a:fld id="{70127434-4794-409A-9547-04789BA47588}" type="datetime1">
               <a:rPr lang="en-US" smtClean="0"/>
-              <a:t>11/25/22</a:t>
+              <a:t>12/2/22</a:t>
             </a:fld>
             <a:endParaRPr lang="en-US"/>
           </a:p>
@@ -2163,7 +2168,7 @@
           <a:p>
             <a:fld id="{85658635-357A-4E3D-B824-A5CEFDB8449C}" type="datetime1">
               <a:rPr lang="en-US" smtClean="0"/>
-              <a:t>11/25/22</a:t>
+              <a:t>12/2/22</a:t>
             </a:fld>
             <a:endParaRPr lang="en-US"/>
           </a:p>
@@ -2276,7 +2281,7 @@
           <a:p>
             <a:fld id="{7E86FF77-2719-4AD0-8740-0B90FF5D1EFB}" type="datetime1">
               <a:rPr lang="en-US" smtClean="0"/>
-              <a:t>11/25/22</a:t>
+              <a:t>12/2/22</a:t>
             </a:fld>
             <a:endParaRPr lang="en-US"/>
           </a:p>
@@ -2772,7 +2777,7 @@
           <a:p>
             <a:fld id="{6E441C83-1089-48B9-8B65-293D4C236D35}" type="datetime1">
               <a:rPr lang="en-US" smtClean="0"/>
-              <a:t>11/25/22</a:t>
+              <a:t>12/2/22</a:t>
             </a:fld>
             <a:endParaRPr lang="en-US"/>
           </a:p>
@@ -3248,7 +3253,7 @@
           <a:p>
             <a:fld id="{D162FE45-CC1E-47DB-8B82-6CF0636FBDB8}" type="datetime1">
               <a:rPr lang="en-US" smtClean="0"/>
-              <a:t>11/25/22</a:t>
+              <a:t>12/2/22</a:t>
             </a:fld>
             <a:endParaRPr lang="en-US"/>
           </a:p>
@@ -3543,7 +3548,7 @@
           <a:p>
             <a:fld id="{51FC8E16-3C03-4238-9C6F-B34F3D10F77E}" type="datetime1">
               <a:rPr lang="en-US" smtClean="0"/>
-              <a:t>11/25/22</a:t>
+              <a:t>12/2/22</a:t>
             </a:fld>
             <a:endParaRPr lang="en-US" dirty="0"/>
           </a:p>
@@ -4221,105 +4226,6 @@
       </p:grpSpPr>
       <p:sp>
         <p:nvSpPr>
-          <p:cNvPr id="3" name="Content Placeholder 2">
-            <a:extLst>
-              <a:ext uri="{FF2B5EF4-FFF2-40B4-BE49-F238E27FC236}">
-                <a16:creationId xmlns:a16="http://schemas.microsoft.com/office/drawing/2014/main" id="{8718A180-5C52-4A43-BCF9-CC016C4BE066}"/>
-              </a:ext>
-            </a:extLst>
-          </p:cNvPr>
-          <p:cNvSpPr>
-            <a:spLocks noGrp="1"/>
-          </p:cNvSpPr>
-          <p:nvPr>
-            <p:ph idx="1"/>
-          </p:nvPr>
-        </p:nvSpPr>
-        <p:spPr>
-          <a:xfrm>
-            <a:off x="484551" y="6093316"/>
-            <a:ext cx="10869248" cy="720059"/>
-          </a:xfrm>
-        </p:spPr>
-        <p:txBody>
-          <a:bodyPr/>
-          <a:lstStyle/>
-          <a:p>
-            <a:r>
-              <a:rPr lang="en-US" dirty="0">
-                <a:hlinkClick r:id="rId2"/>
-              </a:rPr>
-              <a:t>https://leetcode.com/problems/maximum-product-of-word-lengths/</a:t>
-            </a:r>
-            <a:endParaRPr lang="en-US" dirty="0"/>
-          </a:p>
-          <a:p>
-            <a:endParaRPr lang="en-US" dirty="0"/>
-          </a:p>
-        </p:txBody>
-      </p:sp>
-      <p:pic>
-        <p:nvPicPr>
-          <p:cNvPr id="4" name="Picture 3">
-            <a:extLst>
-              <a:ext uri="{FF2B5EF4-FFF2-40B4-BE49-F238E27FC236}">
-                <a16:creationId xmlns:a16="http://schemas.microsoft.com/office/drawing/2014/main" id="{AB253A22-6B7F-2C4C-ABA2-AA6059DD0526}"/>
-              </a:ext>
-            </a:extLst>
-          </p:cNvPr>
-          <p:cNvPicPr>
-            <a:picLocks noChangeAspect="1"/>
-          </p:cNvPicPr>
-          <p:nvPr/>
-        </p:nvPicPr>
-        <p:blipFill>
-          <a:blip r:embed="rId3"/>
-          <a:stretch>
-            <a:fillRect/>
-          </a:stretch>
-        </p:blipFill>
-        <p:spPr>
-          <a:xfrm>
-            <a:off x="1305490" y="321007"/>
-            <a:ext cx="9227369" cy="5772309"/>
-          </a:xfrm>
-          <a:prstGeom prst="rect">
-            <a:avLst/>
-          </a:prstGeom>
-        </p:spPr>
-      </p:pic>
-    </p:spTree>
-    <p:extLst>
-      <p:ext uri="{BB962C8B-B14F-4D97-AF65-F5344CB8AC3E}">
-        <p14:creationId xmlns:p14="http://schemas.microsoft.com/office/powerpoint/2010/main" val="81703134"/>
-      </p:ext>
-    </p:extLst>
-  </p:cSld>
-  <p:clrMapOvr>
-    <a:masterClrMapping/>
-  </p:clrMapOvr>
-</p:sld>
-</file>
-
-<file path=ppt/slides/slide11.xml><?xml version="1.0" encoding="utf-8"?>
-<p:sld xmlns:a="http://schemas.openxmlformats.org/drawingml/2006/main" xmlns:r="http://schemas.openxmlformats.org/officeDocument/2006/relationships" xmlns:p="http://schemas.openxmlformats.org/presentationml/2006/main">
-  <p:cSld>
-    <p:spTree>
-      <p:nvGrpSpPr>
-        <p:cNvPr id="1" name=""/>
-        <p:cNvGrpSpPr/>
-        <p:nvPr/>
-      </p:nvGrpSpPr>
-      <p:grpSpPr>
-        <a:xfrm>
-          <a:off x="0" y="0"/>
-          <a:ext cx="0" cy="0"/>
-          <a:chOff x="0" y="0"/>
-          <a:chExt cx="0" cy="0"/>
-        </a:xfrm>
-      </p:grpSpPr>
-      <p:sp>
-        <p:nvSpPr>
           <p:cNvPr id="2" name="Title 1">
             <a:extLst>
               <a:ext uri="{FF2B5EF4-FFF2-40B4-BE49-F238E27FC236}">
@@ -4427,7 +4333,7 @@
 </p:sld>
 </file>
 
-<file path=ppt/slides/slide12.xml><?xml version="1.0" encoding="utf-8"?>
+<file path=ppt/slides/slide11.xml><?xml version="1.0" encoding="utf-8"?>
 <p:sld xmlns:a="http://schemas.openxmlformats.org/drawingml/2006/main" xmlns:r="http://schemas.openxmlformats.org/officeDocument/2006/relationships" xmlns:p="http://schemas.openxmlformats.org/presentationml/2006/main">
   <p:cSld>
     <p:spTree>
@@ -4534,6 +4440,124 @@
 </p:sld>
 </file>
 
+<file path=ppt/slides/slide12.xml><?xml version="1.0" encoding="utf-8"?>
+<p:sld xmlns:a="http://schemas.openxmlformats.org/drawingml/2006/main" xmlns:r="http://schemas.openxmlformats.org/officeDocument/2006/relationships" xmlns:p="http://schemas.openxmlformats.org/presentationml/2006/main">
+  <p:cSld>
+    <p:spTree>
+      <p:nvGrpSpPr>
+        <p:cNvPr id="1" name=""/>
+        <p:cNvGrpSpPr/>
+        <p:nvPr/>
+      </p:nvGrpSpPr>
+      <p:grpSpPr>
+        <a:xfrm>
+          <a:off x="0" y="0"/>
+          <a:ext cx="0" cy="0"/>
+          <a:chOff x="0" y="0"/>
+          <a:chExt cx="0" cy="0"/>
+        </a:xfrm>
+      </p:grpSpPr>
+      <p:sp>
+        <p:nvSpPr>
+          <p:cNvPr id="2" name="Title 1">
+            <a:extLst>
+              <a:ext uri="{FF2B5EF4-FFF2-40B4-BE49-F238E27FC236}">
+                <a16:creationId xmlns:a16="http://schemas.microsoft.com/office/drawing/2014/main" id="{6C32F290-3D86-6848-8B93-8852C9C6A8EE}"/>
+              </a:ext>
+            </a:extLst>
+          </p:cNvPr>
+          <p:cNvSpPr>
+            <a:spLocks noGrp="1"/>
+          </p:cNvSpPr>
+          <p:nvPr>
+            <p:ph type="title"/>
+          </p:nvPr>
+        </p:nvSpPr>
+        <p:spPr/>
+        <p:txBody>
+          <a:bodyPr/>
+          <a:lstStyle/>
+          <a:p>
+            <a:r>
+              <a:rPr lang="en-US" dirty="0"/>
+              <a:t>More Optimization</a:t>
+            </a:r>
+          </a:p>
+        </p:txBody>
+      </p:sp>
+      <p:sp>
+        <p:nvSpPr>
+          <p:cNvPr id="3" name="Content Placeholder 2">
+            <a:extLst>
+              <a:ext uri="{FF2B5EF4-FFF2-40B4-BE49-F238E27FC236}">
+                <a16:creationId xmlns:a16="http://schemas.microsoft.com/office/drawing/2014/main" id="{BB0DF36A-3556-2A48-832E-AB680458C181}"/>
+              </a:ext>
+            </a:extLst>
+          </p:cNvPr>
+          <p:cNvSpPr>
+            <a:spLocks noGrp="1"/>
+          </p:cNvSpPr>
+          <p:nvPr>
+            <p:ph idx="1"/>
+          </p:nvPr>
+        </p:nvSpPr>
+        <p:spPr/>
+        <p:txBody>
+          <a:bodyPr/>
+          <a:lstStyle/>
+          <a:p>
+            <a:pPr marL="342900" indent="-342900">
+              <a:buFontTx/>
+              <a:buChar char="-"/>
+            </a:pPr>
+            <a:r>
+              <a:rPr lang="en-US" dirty="0"/>
+              <a:t>Two different words can have the same bitmask</a:t>
+            </a:r>
+          </a:p>
+          <a:p>
+            <a:pPr marL="342900" indent="-342900">
+              <a:buFontTx/>
+              <a:buChar char="-"/>
+            </a:pPr>
+            <a:r>
+              <a:rPr lang="en-US" dirty="0"/>
+              <a:t>i.e. hello and </a:t>
+            </a:r>
+            <a:r>
+              <a:rPr lang="en-US" dirty="0" err="1"/>
+              <a:t>llohhel</a:t>
+            </a:r>
+            <a:r>
+              <a:rPr lang="en-US" dirty="0"/>
+              <a:t> have the same mask, but we will always pick the latter one to possibly include it in the final max product calculation</a:t>
+            </a:r>
+          </a:p>
+          <a:p>
+            <a:pPr marL="342900" indent="-342900">
+              <a:buFontTx/>
+              <a:buChar char="-"/>
+            </a:pPr>
+            <a:r>
+              <a:rPr lang="en-US" dirty="0"/>
+              <a:t>Idea: store the longest word for a given bitmask</a:t>
+            </a:r>
+          </a:p>
+        </p:txBody>
+      </p:sp>
+    </p:spTree>
+    <p:extLst>
+      <p:ext uri="{BB962C8B-B14F-4D97-AF65-F5344CB8AC3E}">
+        <p14:creationId xmlns:p14="http://schemas.microsoft.com/office/powerpoint/2010/main" val="3461147849"/>
+      </p:ext>
+    </p:extLst>
+  </p:cSld>
+  <p:clrMapOvr>
+    <a:masterClrMapping/>
+  </p:clrMapOvr>
+</p:sld>
+</file>
+
 <file path=ppt/slides/slide13.xml><?xml version="1.0" encoding="utf-8"?>
 <p:sld xmlns:a="http://schemas.openxmlformats.org/drawingml/2006/main" xmlns:r="http://schemas.openxmlformats.org/officeDocument/2006/relationships" xmlns:p="http://schemas.openxmlformats.org/presentationml/2006/main">
   <p:cSld>
@@ -4556,7 +4580,7 @@
           <p:cNvPr id="2" name="Title 1">
             <a:extLst>
               <a:ext uri="{FF2B5EF4-FFF2-40B4-BE49-F238E27FC236}">
-                <a16:creationId xmlns:a16="http://schemas.microsoft.com/office/drawing/2014/main" id="{6C32F290-3D86-6848-8B93-8852C9C6A8EE}"/>
+                <a16:creationId xmlns:a16="http://schemas.microsoft.com/office/drawing/2014/main" id="{D6B19831-E921-F64B-828D-DFBC5AD1432D}"/>
               </a:ext>
             </a:extLst>
           </p:cNvPr>
@@ -4574,7 +4598,7 @@
           <a:p>
             <a:r>
               <a:rPr lang="en-US" dirty="0"/>
-              <a:t>More Optimization</a:t>
+              <a:t>Pseudocode</a:t>
             </a:r>
           </a:p>
         </p:txBody>
@@ -4584,7 +4608,7 @@
           <p:cNvPr id="3" name="Content Placeholder 2">
             <a:extLst>
               <a:ext uri="{FF2B5EF4-FFF2-40B4-BE49-F238E27FC236}">
-                <a16:creationId xmlns:a16="http://schemas.microsoft.com/office/drawing/2014/main" id="{BB0DF36A-3556-2A48-832E-AB680458C181}"/>
+                <a16:creationId xmlns:a16="http://schemas.microsoft.com/office/drawing/2014/main" id="{039E2625-365D-4B4E-8FB6-4C50D4FFF3E9}"/>
               </a:ext>
             </a:extLst>
           </p:cNvPr>
@@ -4600,49 +4624,14 @@
           <a:bodyPr/>
           <a:lstStyle/>
           <a:p>
-            <a:pPr marL="342900" indent="-342900">
-              <a:buFontTx/>
-              <a:buChar char="-"/>
-            </a:pPr>
-            <a:r>
-              <a:rPr lang="en-US" dirty="0"/>
-              <a:t>Two different words can have the same bitmask</a:t>
-            </a:r>
-          </a:p>
-          <a:p>
-            <a:pPr marL="342900" indent="-342900">
-              <a:buFontTx/>
-              <a:buChar char="-"/>
-            </a:pPr>
-            <a:r>
-              <a:rPr lang="en-US" dirty="0"/>
-              <a:t>i.e. hello and </a:t>
-            </a:r>
-            <a:r>
-              <a:rPr lang="en-US" dirty="0" err="1"/>
-              <a:t>llohhel</a:t>
-            </a:r>
-            <a:r>
-              <a:rPr lang="en-US" dirty="0"/>
-              <a:t> have the same mask, but we will always pick the latter one to possibly include it in the final max product calculation</a:t>
-            </a:r>
-          </a:p>
-          <a:p>
-            <a:pPr marL="342900" indent="-342900">
-              <a:buFontTx/>
-              <a:buChar char="-"/>
-            </a:pPr>
-            <a:r>
-              <a:rPr lang="en-US" dirty="0"/>
-              <a:t>Idea: store the longest word for a given bitmask</a:t>
-            </a:r>
+            <a:endParaRPr lang="en-US" dirty="0"/>
           </a:p>
         </p:txBody>
       </p:sp>
     </p:spTree>
     <p:extLst>
       <p:ext uri="{BB962C8B-B14F-4D97-AF65-F5344CB8AC3E}">
-        <p14:creationId xmlns:p14="http://schemas.microsoft.com/office/powerpoint/2010/main" val="3461147849"/>
+        <p14:creationId xmlns:p14="http://schemas.microsoft.com/office/powerpoint/2010/main" val="2203078395"/>
       </p:ext>
     </p:extLst>
   </p:cSld>
@@ -5370,7 +5359,7 @@
           <p:cNvPr id="2" name="Title 1">
             <a:extLst>
               <a:ext uri="{FF2B5EF4-FFF2-40B4-BE49-F238E27FC236}">
-                <a16:creationId xmlns:a16="http://schemas.microsoft.com/office/drawing/2014/main" id="{7892BF74-243C-584C-BDE6-AF93F8D21000}"/>
+                <a16:creationId xmlns:a16="http://schemas.microsoft.com/office/drawing/2014/main" id="{7FB523A1-C3C9-2E44-A49A-30A524E32BE7}"/>
               </a:ext>
             </a:extLst>
           </p:cNvPr>
@@ -5383,10 +5372,20 @@
         </p:nvSpPr>
         <p:spPr/>
         <p:txBody>
-          <a:bodyPr/>
-          <a:lstStyle/>
-          <a:p>
-            <a:endParaRPr lang="en-US"/>
+          <a:bodyPr>
+            <a:normAutofit fontScale="90000"/>
+          </a:bodyPr>
+          <a:lstStyle/>
+          <a:p>
+            <a:r>
+              <a:rPr lang="en-US" dirty="0"/>
+              <a:t>Dynamic programming and </a:t>
+            </a:r>
+            <a:r>
+              <a:rPr lang="en-US" dirty="0" err="1"/>
+              <a:t>bitmasking</a:t>
+            </a:r>
+            <a:endParaRPr lang="en-US" dirty="0"/>
           </a:p>
         </p:txBody>
       </p:sp>
@@ -5395,7 +5394,7 @@
           <p:cNvPr id="3" name="Content Placeholder 2">
             <a:extLst>
               <a:ext uri="{FF2B5EF4-FFF2-40B4-BE49-F238E27FC236}">
-                <a16:creationId xmlns:a16="http://schemas.microsoft.com/office/drawing/2014/main" id="{5103643B-4BFD-2D4D-89C4-FE961A980960}"/>
+                <a16:creationId xmlns:a16="http://schemas.microsoft.com/office/drawing/2014/main" id="{2BE91E00-3230-054B-9AD4-02DAD540F509}"/>
               </a:ext>
             </a:extLst>
           </p:cNvPr>
@@ -5411,14 +5410,51 @@
           <a:bodyPr/>
           <a:lstStyle/>
           <a:p>
-            <a:endParaRPr lang="en-US"/>
+            <a:pPr marL="342900" indent="-342900">
+              <a:buFontTx/>
+              <a:buChar char="-"/>
+            </a:pPr>
+            <a:r>
+              <a:rPr lang="en-US" dirty="0"/>
+              <a:t>Problem: Given a set, count how many subsets have sum of elements greater than or equal to a given value</a:t>
+            </a:r>
+          </a:p>
+          <a:p>
+            <a:pPr marL="342900" indent="-342900">
+              <a:buFontTx/>
+              <a:buChar char="-"/>
+            </a:pPr>
+            <a:r>
+              <a:rPr lang="en-US" dirty="0"/>
+              <a:t>Idea: iterate over every possible subset and check the value</a:t>
+            </a:r>
+          </a:p>
+          <a:p>
+            <a:pPr marL="342900" indent="-342900">
+              <a:buFontTx/>
+              <a:buChar char="-"/>
+            </a:pPr>
+            <a:r>
+              <a:rPr lang="en-US" dirty="0"/>
+              <a:t>Consider the set A = {1, 2, 3, 4, 5}, we can represent a subset A using 5 bits, where 0 means element is not in the set, and 1 means element is in the set</a:t>
+            </a:r>
+          </a:p>
+          <a:p>
+            <a:pPr marL="342900" indent="-342900">
+              <a:buFontTx/>
+              <a:buChar char="-"/>
+            </a:pPr>
+            <a:r>
+              <a:rPr lang="en-US" dirty="0"/>
+              <a:t>i.e. 01010 represents the subset {2, 4}</a:t>
+            </a:r>
           </a:p>
         </p:txBody>
       </p:sp>
     </p:spTree>
     <p:extLst>
       <p:ext uri="{BB962C8B-B14F-4D97-AF65-F5344CB8AC3E}">
-        <p14:creationId xmlns:p14="http://schemas.microsoft.com/office/powerpoint/2010/main" val="19356753"/>
+        <p14:creationId xmlns:p14="http://schemas.microsoft.com/office/powerpoint/2010/main" val="3489303528"/>
       </p:ext>
     </p:extLst>
   </p:cSld>
@@ -5447,105 +5483,77 @@
       </p:grpSpPr>
       <p:sp>
         <p:nvSpPr>
-          <p:cNvPr id="2" name="Title 1">
-            <a:extLst>
-              <a:ext uri="{FF2B5EF4-FFF2-40B4-BE49-F238E27FC236}">
-                <a16:creationId xmlns:a16="http://schemas.microsoft.com/office/drawing/2014/main" id="{7FB523A1-C3C9-2E44-A49A-30A524E32BE7}"/>
-              </a:ext>
-            </a:extLst>
-          </p:cNvPr>
-          <p:cNvSpPr>
-            <a:spLocks noGrp="1"/>
-          </p:cNvSpPr>
-          <p:nvPr>
-            <p:ph type="title"/>
-          </p:nvPr>
-        </p:nvSpPr>
-        <p:spPr/>
-        <p:txBody>
-          <a:bodyPr>
-            <a:normAutofit fontScale="90000"/>
-          </a:bodyPr>
-          <a:lstStyle/>
-          <a:p>
-            <a:r>
-              <a:rPr lang="en-US" dirty="0"/>
-              <a:t>Dynamic programming and </a:t>
-            </a:r>
-            <a:r>
-              <a:rPr lang="en-US" dirty="0" err="1"/>
-              <a:t>bitmasking</a:t>
+          <p:cNvPr id="3" name="Content Placeholder 2">
+            <a:extLst>
+              <a:ext uri="{FF2B5EF4-FFF2-40B4-BE49-F238E27FC236}">
+                <a16:creationId xmlns:a16="http://schemas.microsoft.com/office/drawing/2014/main" id="{8718A180-5C52-4A43-BCF9-CC016C4BE066}"/>
+              </a:ext>
+            </a:extLst>
+          </p:cNvPr>
+          <p:cNvSpPr>
+            <a:spLocks noGrp="1"/>
+          </p:cNvSpPr>
+          <p:nvPr>
+            <p:ph idx="1"/>
+          </p:nvPr>
+        </p:nvSpPr>
+        <p:spPr>
+          <a:xfrm>
+            <a:off x="484551" y="6093316"/>
+            <a:ext cx="10869248" cy="720059"/>
+          </a:xfrm>
+        </p:spPr>
+        <p:txBody>
+          <a:bodyPr/>
+          <a:lstStyle/>
+          <a:p>
+            <a:r>
+              <a:rPr lang="en-US" dirty="0">
+                <a:hlinkClick r:id="rId2"/>
+              </a:rPr>
+              <a:t>https://leetcode.com/problems/maximum-product-of-word-lengths/</a:t>
             </a:r>
             <a:endParaRPr lang="en-US" dirty="0"/>
           </a:p>
-        </p:txBody>
-      </p:sp>
-      <p:sp>
-        <p:nvSpPr>
-          <p:cNvPr id="3" name="Content Placeholder 2">
-            <a:extLst>
-              <a:ext uri="{FF2B5EF4-FFF2-40B4-BE49-F238E27FC236}">
-                <a16:creationId xmlns:a16="http://schemas.microsoft.com/office/drawing/2014/main" id="{2BE91E00-3230-054B-9AD4-02DAD540F509}"/>
-              </a:ext>
-            </a:extLst>
-          </p:cNvPr>
-          <p:cNvSpPr>
-            <a:spLocks noGrp="1"/>
-          </p:cNvSpPr>
-          <p:nvPr>
-            <p:ph idx="1"/>
-          </p:nvPr>
-        </p:nvSpPr>
-        <p:spPr/>
-        <p:txBody>
-          <a:bodyPr/>
-          <a:lstStyle/>
-          <a:p>
-            <a:pPr marL="342900" indent="-342900">
-              <a:buFontTx/>
-              <a:buChar char="-"/>
-            </a:pPr>
-            <a:r>
-              <a:rPr lang="en-US" dirty="0"/>
-              <a:t>Problem: Given a set, count how many subsets have sum of elements greater than or equal to a given value</a:t>
-            </a:r>
-          </a:p>
-          <a:p>
-            <a:pPr marL="342900" indent="-342900">
-              <a:buFontTx/>
-              <a:buChar char="-"/>
-            </a:pPr>
-            <a:r>
-              <a:rPr lang="en-US" dirty="0"/>
-              <a:t>Idea: iterate over every possible subset and check the value</a:t>
-            </a:r>
-          </a:p>
-          <a:p>
-            <a:pPr marL="342900" indent="-342900">
-              <a:buFontTx/>
-              <a:buChar char="-"/>
-            </a:pPr>
-            <a:r>
-              <a:rPr lang="en-US" dirty="0"/>
-              <a:t>Consider the set A = {1, 2, 3, 4, 5}, we can represent a subset A using 5 bits, where 0 means element is not in the set, and 1 means element is in the set</a:t>
-            </a:r>
-          </a:p>
-          <a:p>
-            <a:pPr marL="342900" indent="-342900">
-              <a:buFontTx/>
-              <a:buChar char="-"/>
-            </a:pPr>
-            <a:r>
-              <a:rPr lang="en-US" dirty="0"/>
-              <a:t>i.e. 01010 represents the subset {2, 4}</a:t>
-            </a:r>
-          </a:p>
-        </p:txBody>
-      </p:sp>
+          <a:p>
+            <a:endParaRPr lang="en-US" dirty="0"/>
+          </a:p>
+        </p:txBody>
+      </p:sp>
+      <p:pic>
+        <p:nvPicPr>
+          <p:cNvPr id="4" name="Picture 3">
+            <a:extLst>
+              <a:ext uri="{FF2B5EF4-FFF2-40B4-BE49-F238E27FC236}">
+                <a16:creationId xmlns:a16="http://schemas.microsoft.com/office/drawing/2014/main" id="{AB253A22-6B7F-2C4C-ABA2-AA6059DD0526}"/>
+              </a:ext>
+            </a:extLst>
+          </p:cNvPr>
+          <p:cNvPicPr>
+            <a:picLocks noChangeAspect="1"/>
+          </p:cNvPicPr>
+          <p:nvPr/>
+        </p:nvPicPr>
+        <p:blipFill>
+          <a:blip r:embed="rId3"/>
+          <a:stretch>
+            <a:fillRect/>
+          </a:stretch>
+        </p:blipFill>
+        <p:spPr>
+          <a:xfrm>
+            <a:off x="1305490" y="321007"/>
+            <a:ext cx="9227369" cy="5772309"/>
+          </a:xfrm>
+          <a:prstGeom prst="rect">
+            <a:avLst/>
+          </a:prstGeom>
+        </p:spPr>
+      </p:pic>
     </p:spTree>
     <p:extLst>
       <p:ext uri="{BB962C8B-B14F-4D97-AF65-F5344CB8AC3E}">
-        <p14:creationId xmlns:p14="http://schemas.microsoft.com/office/powerpoint/2010/main" val="3489303528"/>
+        <p14:creationId xmlns:p14="http://schemas.microsoft.com/office/powerpoint/2010/main" val="81703134"/>
       </p:ext>
     </p:extLst>
   </p:cSld>
